--- a/ppt/~ing/tmp/PWM.pptx
+++ b/ppt/~ing/tmp/PWM.pptx
@@ -5,7 +5,7 @@
     <p:sldMasterId id="2147483648" r:id="rId1"/>
   </p:sldMasterIdLst>
   <p:sldIdLst>
-    <p:sldId id="256" r:id="rId2"/>
+    <p:sldId id="257" r:id="rId2"/>
   </p:sldIdLst>
   <p:sldSz cx="9144000" cy="6858000" type="screen4x3"/>
   <p:notesSz cx="6858000" cy="9144000"/>
@@ -288,7 +288,7 @@
           <a:p>
             <a:fld id="{13FD204F-AD81-40BC-BA89-95E12B628304}" type="datetimeFigureOut">
               <a:rPr lang="ko-KR" altLang="en-US" smtClean="0"/>
-              <a:t>2021-01-29</a:t>
+              <a:t>2021-02-18</a:t>
             </a:fld>
             <a:endParaRPr lang="ko-KR" altLang="en-US"/>
           </a:p>
@@ -458,7 +458,7 @@
           <a:p>
             <a:fld id="{13FD204F-AD81-40BC-BA89-95E12B628304}" type="datetimeFigureOut">
               <a:rPr lang="ko-KR" altLang="en-US" smtClean="0"/>
-              <a:t>2021-01-29</a:t>
+              <a:t>2021-02-18</a:t>
             </a:fld>
             <a:endParaRPr lang="ko-KR" altLang="en-US"/>
           </a:p>
@@ -638,7 +638,7 @@
           <a:p>
             <a:fld id="{13FD204F-AD81-40BC-BA89-95E12B628304}" type="datetimeFigureOut">
               <a:rPr lang="ko-KR" altLang="en-US" smtClean="0"/>
-              <a:t>2021-01-29</a:t>
+              <a:t>2021-02-18</a:t>
             </a:fld>
             <a:endParaRPr lang="ko-KR" altLang="en-US"/>
           </a:p>
@@ -808,7 +808,7 @@
           <a:p>
             <a:fld id="{13FD204F-AD81-40BC-BA89-95E12B628304}" type="datetimeFigureOut">
               <a:rPr lang="ko-KR" altLang="en-US" smtClean="0"/>
-              <a:t>2021-01-29</a:t>
+              <a:t>2021-02-18</a:t>
             </a:fld>
             <a:endParaRPr lang="ko-KR" altLang="en-US"/>
           </a:p>
@@ -1054,7 +1054,7 @@
           <a:p>
             <a:fld id="{13FD204F-AD81-40BC-BA89-95E12B628304}" type="datetimeFigureOut">
               <a:rPr lang="ko-KR" altLang="en-US" smtClean="0"/>
-              <a:t>2021-01-29</a:t>
+              <a:t>2021-02-18</a:t>
             </a:fld>
             <a:endParaRPr lang="ko-KR" altLang="en-US"/>
           </a:p>
@@ -1342,7 +1342,7 @@
           <a:p>
             <a:fld id="{13FD204F-AD81-40BC-BA89-95E12B628304}" type="datetimeFigureOut">
               <a:rPr lang="ko-KR" altLang="en-US" smtClean="0"/>
-              <a:t>2021-01-29</a:t>
+              <a:t>2021-02-18</a:t>
             </a:fld>
             <a:endParaRPr lang="ko-KR" altLang="en-US"/>
           </a:p>
@@ -1764,7 +1764,7 @@
           <a:p>
             <a:fld id="{13FD204F-AD81-40BC-BA89-95E12B628304}" type="datetimeFigureOut">
               <a:rPr lang="ko-KR" altLang="en-US" smtClean="0"/>
-              <a:t>2021-01-29</a:t>
+              <a:t>2021-02-18</a:t>
             </a:fld>
             <a:endParaRPr lang="ko-KR" altLang="en-US"/>
           </a:p>
@@ -1882,7 +1882,7 @@
           <a:p>
             <a:fld id="{13FD204F-AD81-40BC-BA89-95E12B628304}" type="datetimeFigureOut">
               <a:rPr lang="ko-KR" altLang="en-US" smtClean="0"/>
-              <a:t>2021-01-29</a:t>
+              <a:t>2021-02-18</a:t>
             </a:fld>
             <a:endParaRPr lang="ko-KR" altLang="en-US"/>
           </a:p>
@@ -1977,7 +1977,7 @@
           <a:p>
             <a:fld id="{13FD204F-AD81-40BC-BA89-95E12B628304}" type="datetimeFigureOut">
               <a:rPr lang="ko-KR" altLang="en-US" smtClean="0"/>
-              <a:t>2021-01-29</a:t>
+              <a:t>2021-02-18</a:t>
             </a:fld>
             <a:endParaRPr lang="ko-KR" altLang="en-US"/>
           </a:p>
@@ -2254,7 +2254,7 @@
           <a:p>
             <a:fld id="{13FD204F-AD81-40BC-BA89-95E12B628304}" type="datetimeFigureOut">
               <a:rPr lang="ko-KR" altLang="en-US" smtClean="0"/>
-              <a:t>2021-01-29</a:t>
+              <a:t>2021-02-18</a:t>
             </a:fld>
             <a:endParaRPr lang="ko-KR" altLang="en-US"/>
           </a:p>
@@ -2507,7 +2507,7 @@
           <a:p>
             <a:fld id="{13FD204F-AD81-40BC-BA89-95E12B628304}" type="datetimeFigureOut">
               <a:rPr lang="ko-KR" altLang="en-US" smtClean="0"/>
-              <a:t>2021-01-29</a:t>
+              <a:t>2021-02-18</a:t>
             </a:fld>
             <a:endParaRPr lang="ko-KR" altLang="en-US"/>
           </a:p>
@@ -2720,7 +2720,7 @@
           <a:p>
             <a:fld id="{13FD204F-AD81-40BC-BA89-95E12B628304}" type="datetimeFigureOut">
               <a:rPr lang="ko-KR" altLang="en-US" smtClean="0"/>
-              <a:t>2021-01-29</a:t>
+              <a:t>2021-02-18</a:t>
             </a:fld>
             <a:endParaRPr lang="ko-KR" altLang="en-US"/>
           </a:p>
@@ -3111,43 +3111,118 @@
           <a:lstStyle/>
           <a:p>
             <a:r>
+              <a:rPr lang="en-US" altLang="ko-KR" smtClean="0"/>
+              <a:t>PWM</a:t>
+            </a:r>
+            <a:endParaRPr lang="ko-KR" altLang="en-US" dirty="0"/>
+          </a:p>
+        </p:txBody>
+      </p:sp>
+      <p:sp>
+        <p:nvSpPr>
+          <p:cNvPr id="3" name="부제목 2"/>
+          <p:cNvSpPr>
+            <a:spLocks noGrp="1"/>
+          </p:cNvSpPr>
+          <p:nvPr>
+            <p:ph type="subTitle" idx="1"/>
+          </p:nvPr>
+        </p:nvSpPr>
+        <p:spPr/>
+        <p:txBody>
+          <a:bodyPr>
+            <a:normAutofit fontScale="55000" lnSpcReduction="20000"/>
+          </a:bodyPr>
+          <a:lstStyle/>
+          <a:p>
+            <a:r>
+              <a:rPr lang="ko-KR" altLang="en-US" dirty="0" smtClean="0"/>
+              <a:t>소속 </a:t>
+            </a:r>
+            <a:r>
               <a:rPr lang="en-US" altLang="ko-KR" dirty="0" smtClean="0"/>
-              <a:t>PWM </a:t>
-            </a:r>
-            <a:r>
-              <a:rPr lang="ko-KR" altLang="en-US" smtClean="0"/>
-              <a:t>제</a:t>
-            </a:r>
-            <a:r>
-              <a:rPr lang="ko-KR" altLang="en-US"/>
-              <a:t>어</a:t>
-            </a:r>
-          </a:p>
-        </p:txBody>
-      </p:sp>
-      <p:sp>
-        <p:nvSpPr>
-          <p:cNvPr id="3" name="부제목 2"/>
-          <p:cNvSpPr>
-            <a:spLocks noGrp="1"/>
-          </p:cNvSpPr>
-          <p:nvPr>
-            <p:ph type="subTitle" idx="1"/>
-          </p:nvPr>
-        </p:nvSpPr>
-        <p:spPr/>
-        <p:txBody>
-          <a:bodyPr/>
-          <a:lstStyle/>
-          <a:p>
-            <a:endParaRPr lang="ko-KR" altLang="en-US"/>
+              <a:t>: </a:t>
+            </a:r>
+            <a:r>
+              <a:rPr lang="ko-KR" altLang="en-US" dirty="0" smtClean="0"/>
+              <a:t>금오공과대학교</a:t>
+            </a:r>
+            <a:endParaRPr lang="en-US" altLang="ko-KR" dirty="0" smtClean="0"/>
+          </a:p>
+          <a:p>
+            <a:r>
+              <a:rPr lang="ko-KR" altLang="en-US" dirty="0" smtClean="0"/>
+              <a:t>전공 </a:t>
+            </a:r>
+            <a:r>
+              <a:rPr lang="en-US" altLang="ko-KR" dirty="0" smtClean="0"/>
+              <a:t>: </a:t>
+            </a:r>
+            <a:r>
+              <a:rPr lang="ko-KR" altLang="en-US" dirty="0" smtClean="0"/>
+              <a:t>응용수학</a:t>
+            </a:r>
+            <a:endParaRPr lang="en-US" altLang="ko-KR" dirty="0" smtClean="0"/>
+          </a:p>
+          <a:p>
+            <a:r>
+              <a:rPr lang="ko-KR" altLang="en-US" dirty="0" smtClean="0"/>
+              <a:t>복수전공 </a:t>
+            </a:r>
+            <a:r>
+              <a:rPr lang="en-US" altLang="ko-KR" dirty="0" smtClean="0"/>
+              <a:t>: </a:t>
+            </a:r>
+            <a:r>
+              <a:rPr lang="ko-KR" altLang="en-US" dirty="0" smtClean="0"/>
+              <a:t>컴퓨터 공학</a:t>
+            </a:r>
+            <a:endParaRPr lang="en-US" altLang="ko-KR" dirty="0" smtClean="0"/>
+          </a:p>
+          <a:p>
+            <a:r>
+              <a:rPr lang="en-US" altLang="ko-KR" dirty="0" smtClean="0"/>
+              <a:t>E-mail : </a:t>
+            </a:r>
+            <a:r>
+              <a:rPr lang="en-US" altLang="ko-KR" dirty="0" smtClean="0">
+                <a:hlinkClick r:id="rId2"/>
+              </a:rPr>
+              <a:t>fowerznfmfm@gmail.com</a:t>
+            </a:r>
+            <a:endParaRPr lang="en-US" altLang="ko-KR" dirty="0" smtClean="0"/>
+          </a:p>
+          <a:p>
+            <a:r>
+              <a:rPr lang="ko-KR" altLang="en-US" dirty="0" smtClean="0"/>
+              <a:t>휴대폰 </a:t>
+            </a:r>
+            <a:r>
+              <a:rPr lang="en-US" altLang="ko-KR" dirty="0" smtClean="0"/>
+              <a:t>: 010-3154-0131</a:t>
+            </a:r>
+          </a:p>
+          <a:p>
+            <a:r>
+              <a:rPr lang="ko-KR" altLang="en-US" dirty="0" smtClean="0"/>
+              <a:t>이름</a:t>
+            </a:r>
+            <a:r>
+              <a:rPr lang="en-US" altLang="ko-KR" dirty="0" smtClean="0"/>
+              <a:t>: </a:t>
+            </a:r>
+            <a:r>
+              <a:rPr lang="ko-KR" altLang="en-US" dirty="0" err="1" smtClean="0"/>
+              <a:t>이웅빈</a:t>
+            </a:r>
+            <a:endParaRPr lang="ko-KR" altLang="en-US" dirty="0"/>
           </a:p>
         </p:txBody>
       </p:sp>
     </p:spTree>
     <p:extLst>
       <p:ext uri="{BB962C8B-B14F-4D97-AF65-F5344CB8AC3E}">
-        <p14:creationId xmlns:p14="http://schemas.microsoft.com/office/powerpoint/2010/main" val="2233583135"/>
+        <p14:creationId xmlns:p14="http://schemas.microsoft.com/office/powerpoint/2010/main" val="2347899076"/>
       </p:ext>
     </p:extLst>
   </p:cSld>

--- a/ppt/~ing/tmp/PWM.pptx
+++ b/ppt/~ing/tmp/PWM.pptx
@@ -6,6 +6,9 @@
   </p:sldMasterIdLst>
   <p:sldIdLst>
     <p:sldId id="257" r:id="rId2"/>
+    <p:sldId id="258" r:id="rId3"/>
+    <p:sldId id="259" r:id="rId4"/>
+    <p:sldId id="260" r:id="rId5"/>
   </p:sldIdLst>
   <p:sldSz cx="9144000" cy="6858000" type="screen4x3"/>
   <p:notesSz cx="6858000" cy="9144000"/>
@@ -3111,7 +3114,7 @@
           <a:lstStyle/>
           <a:p>
             <a:r>
-              <a:rPr lang="en-US" altLang="ko-KR" smtClean="0"/>
+              <a:rPr lang="en-US" altLang="ko-KR" dirty="0" smtClean="0"/>
               <a:t>PWM</a:t>
             </a:r>
             <a:endParaRPr lang="ko-KR" altLang="en-US" dirty="0"/>
@@ -3223,6 +3226,455 @@
     <p:extLst>
       <p:ext uri="{BB962C8B-B14F-4D97-AF65-F5344CB8AC3E}">
         <p14:creationId xmlns:p14="http://schemas.microsoft.com/office/powerpoint/2010/main" val="2347899076"/>
+      </p:ext>
+    </p:extLst>
+  </p:cSld>
+  <p:clrMapOvr>
+    <a:masterClrMapping/>
+  </p:clrMapOvr>
+</p:sld>
+</file>
+
+<file path=ppt/slides/slide2.xml><?xml version="1.0" encoding="utf-8"?>
+<p:sld xmlns:a="http://schemas.openxmlformats.org/drawingml/2006/main" xmlns:r="http://schemas.openxmlformats.org/officeDocument/2006/relationships" xmlns:p="http://schemas.openxmlformats.org/presentationml/2006/main">
+  <p:cSld>
+    <p:spTree>
+      <p:nvGrpSpPr>
+        <p:cNvPr id="1" name=""/>
+        <p:cNvGrpSpPr/>
+        <p:nvPr/>
+      </p:nvGrpSpPr>
+      <p:grpSpPr>
+        <a:xfrm>
+          <a:off x="0" y="0"/>
+          <a:ext cx="0" cy="0"/>
+          <a:chOff x="0" y="0"/>
+          <a:chExt cx="0" cy="0"/>
+        </a:xfrm>
+      </p:grpSpPr>
+      <p:sp>
+        <p:nvSpPr>
+          <p:cNvPr id="2" name="제목 1"/>
+          <p:cNvSpPr>
+            <a:spLocks noGrp="1"/>
+          </p:cNvSpPr>
+          <p:nvPr>
+            <p:ph type="title"/>
+          </p:nvPr>
+        </p:nvSpPr>
+        <p:spPr/>
+        <p:txBody>
+          <a:bodyPr/>
+          <a:lstStyle/>
+          <a:p>
+            <a:r>
+              <a:rPr lang="en-US" altLang="ko-KR" dirty="0" smtClean="0"/>
+              <a:t>PWM(Pulse Width Modulation)</a:t>
+            </a:r>
+            <a:endParaRPr lang="ko-KR" altLang="en-US" dirty="0"/>
+          </a:p>
+        </p:txBody>
+      </p:sp>
+      <p:sp>
+        <p:nvSpPr>
+          <p:cNvPr id="3" name="내용 개체 틀 2"/>
+          <p:cNvSpPr>
+            <a:spLocks noGrp="1"/>
+          </p:cNvSpPr>
+          <p:nvPr>
+            <p:ph idx="1"/>
+          </p:nvPr>
+        </p:nvSpPr>
+        <p:spPr/>
+        <p:txBody>
+          <a:bodyPr>
+            <a:normAutofit/>
+          </a:bodyPr>
+          <a:lstStyle/>
+          <a:p>
+            <a:pPr marL="0" indent="0">
+              <a:buNone/>
+            </a:pPr>
+            <a:r>
+              <a:rPr lang="ko-KR" altLang="en-US" sz="2000" dirty="0" smtClean="0"/>
+              <a:t>효율적인 </a:t>
+            </a:r>
+            <a:r>
+              <a:rPr lang="ko-KR" altLang="en-US" sz="2000" dirty="0" err="1" smtClean="0"/>
+              <a:t>스위칭</a:t>
+            </a:r>
+            <a:r>
+              <a:rPr lang="ko-KR" altLang="en-US" sz="2000" dirty="0" smtClean="0"/>
+              <a:t> 제어의 기본이 되는</a:t>
+            </a:r>
+            <a:r>
+              <a:rPr lang="en-US" altLang="ko-KR" sz="2000" dirty="0" smtClean="0"/>
+              <a:t>, </a:t>
+            </a:r>
+            <a:r>
+              <a:rPr lang="ko-KR" altLang="en-US" sz="2000" dirty="0" smtClean="0"/>
+              <a:t>디지털 출력으로 아날로그 회로를 제어하는 기술</a:t>
+            </a:r>
+            <a:r>
+              <a:rPr lang="en-US" altLang="ko-KR" sz="2000" dirty="0" smtClean="0"/>
+              <a:t>, </a:t>
+            </a:r>
+            <a:r>
+              <a:rPr lang="ko-KR" altLang="en-US" sz="2000" dirty="0" smtClean="0"/>
+              <a:t>디지털 신호를 아날로그 신호처럼 사용</a:t>
+            </a:r>
+            <a:endParaRPr lang="ko-KR" altLang="en-US" sz="2000" dirty="0"/>
+          </a:p>
+        </p:txBody>
+      </p:sp>
+      <p:pic>
+        <p:nvPicPr>
+          <p:cNvPr id="1026" name="Picture 2"/>
+          <p:cNvPicPr>
+            <a:picLocks noChangeAspect="1" noChangeArrowheads="1"/>
+          </p:cNvPicPr>
+          <p:nvPr/>
+        </p:nvPicPr>
+        <p:blipFill>
+          <a:blip r:embed="rId2">
+            <a:extLst>
+              <a:ext uri="{28A0092B-C50C-407E-A947-70E740481C1C}">
+                <a14:useLocalDpi xmlns:a14="http://schemas.microsoft.com/office/drawing/2010/main" val="0"/>
+              </a:ext>
+            </a:extLst>
+          </a:blip>
+          <a:srcRect/>
+          <a:stretch>
+            <a:fillRect/>
+          </a:stretch>
+        </p:blipFill>
+        <p:spPr bwMode="auto">
+          <a:xfrm>
+            <a:off x="3014663" y="2780928"/>
+            <a:ext cx="3114675" cy="2952750"/>
+          </a:xfrm>
+          <a:prstGeom prst="rect">
+            <a:avLst/>
+          </a:prstGeom>
+          <a:noFill/>
+          <a:ln>
+            <a:noFill/>
+          </a:ln>
+          <a:effectLst/>
+          <a:extLst>
+            <a:ext uri="{909E8E84-426E-40DD-AFC4-6F175D3DCCD1}">
+              <a14:hiddenFill xmlns:a14="http://schemas.microsoft.com/office/drawing/2010/main">
+                <a:solidFill>
+                  <a:schemeClr val="accent1"/>
+                </a:solidFill>
+              </a14:hiddenFill>
+            </a:ext>
+            <a:ext uri="{91240B29-F687-4F45-9708-019B960494DF}">
+              <a14:hiddenLine xmlns:a14="http://schemas.microsoft.com/office/drawing/2010/main" w="9525">
+                <a:solidFill>
+                  <a:schemeClr val="tx1"/>
+                </a:solidFill>
+                <a:miter lim="800000"/>
+                <a:headEnd/>
+                <a:tailEnd/>
+              </a14:hiddenLine>
+            </a:ext>
+            <a:ext uri="{AF507438-7753-43E0-B8FC-AC1667EBCBE1}">
+              <a14:hiddenEffects xmlns:a14="http://schemas.microsoft.com/office/drawing/2010/main">
+                <a:effectLst>
+                  <a:outerShdw dist="35921" dir="2700000" algn="ctr" rotWithShape="0">
+                    <a:schemeClr val="bg2"/>
+                  </a:outerShdw>
+                </a:effectLst>
+              </a14:hiddenEffects>
+            </a:ext>
+          </a:extLst>
+        </p:spPr>
+      </p:pic>
+    </p:spTree>
+    <p:extLst>
+      <p:ext uri="{BB962C8B-B14F-4D97-AF65-F5344CB8AC3E}">
+        <p14:creationId xmlns:p14="http://schemas.microsoft.com/office/powerpoint/2010/main" val="42501077"/>
+      </p:ext>
+    </p:extLst>
+  </p:cSld>
+  <p:clrMapOvr>
+    <a:masterClrMapping/>
+  </p:clrMapOvr>
+</p:sld>
+</file>
+
+<file path=ppt/slides/slide3.xml><?xml version="1.0" encoding="utf-8"?>
+<p:sld xmlns:a="http://schemas.openxmlformats.org/drawingml/2006/main" xmlns:r="http://schemas.openxmlformats.org/officeDocument/2006/relationships" xmlns:p="http://schemas.openxmlformats.org/presentationml/2006/main">
+  <p:cSld>
+    <p:spTree>
+      <p:nvGrpSpPr>
+        <p:cNvPr id="1" name=""/>
+        <p:cNvGrpSpPr/>
+        <p:nvPr/>
+      </p:nvGrpSpPr>
+      <p:grpSpPr>
+        <a:xfrm>
+          <a:off x="0" y="0"/>
+          <a:ext cx="0" cy="0"/>
+          <a:chOff x="0" y="0"/>
+          <a:chExt cx="0" cy="0"/>
+        </a:xfrm>
+      </p:grpSpPr>
+      <p:sp>
+        <p:nvSpPr>
+          <p:cNvPr id="2" name="제목 1"/>
+          <p:cNvSpPr>
+            <a:spLocks noGrp="1"/>
+          </p:cNvSpPr>
+          <p:nvPr>
+            <p:ph type="title"/>
+          </p:nvPr>
+        </p:nvSpPr>
+        <p:spPr/>
+        <p:txBody>
+          <a:bodyPr/>
+          <a:lstStyle/>
+          <a:p>
+            <a:r>
+              <a:rPr lang="en-US" altLang="ko-KR" dirty="0" smtClean="0"/>
+              <a:t>PWM(Pulse Width Modulation)</a:t>
+            </a:r>
+            <a:endParaRPr lang="ko-KR" altLang="en-US" dirty="0"/>
+          </a:p>
+        </p:txBody>
+      </p:sp>
+      <p:sp>
+        <p:nvSpPr>
+          <p:cNvPr id="3" name="내용 개체 틀 2"/>
+          <p:cNvSpPr>
+            <a:spLocks noGrp="1"/>
+          </p:cNvSpPr>
+          <p:nvPr>
+            <p:ph idx="1"/>
+          </p:nvPr>
+        </p:nvSpPr>
+        <p:spPr/>
+        <p:txBody>
+          <a:bodyPr>
+            <a:normAutofit/>
+          </a:bodyPr>
+          <a:lstStyle/>
+          <a:p>
+            <a:pPr marL="0" indent="0">
+              <a:buNone/>
+            </a:pPr>
+            <a:r>
+              <a:rPr lang="ko-KR" altLang="en-US" sz="2000" dirty="0" smtClean="0"/>
+              <a:t>디지털 신호는 </a:t>
+            </a:r>
+            <a:r>
+              <a:rPr lang="en-US" altLang="ko-KR" sz="2000" dirty="0" smtClean="0"/>
+              <a:t>0</a:t>
+            </a:r>
+            <a:r>
+              <a:rPr lang="ko-KR" altLang="en-US" sz="2000" dirty="0" smtClean="0"/>
+              <a:t>과 </a:t>
+            </a:r>
+            <a:r>
+              <a:rPr lang="en-US" altLang="ko-KR" sz="2000" dirty="0" smtClean="0"/>
+              <a:t>1</a:t>
+            </a:r>
+            <a:r>
+              <a:rPr lang="ko-KR" altLang="en-US" sz="2000" dirty="0" smtClean="0"/>
+              <a:t>의 비율을 조절하는 것이 </a:t>
+            </a:r>
+            <a:r>
+              <a:rPr lang="en-US" altLang="ko-KR" sz="2000" dirty="0" smtClean="0"/>
+              <a:t>PWM</a:t>
+            </a:r>
+            <a:r>
+              <a:rPr lang="ko-KR" altLang="en-US" sz="2000" dirty="0" smtClean="0"/>
+              <a:t>이다</a:t>
+            </a:r>
+            <a:r>
+              <a:rPr lang="en-US" altLang="ko-KR" sz="2000" dirty="0" smtClean="0"/>
+              <a:t>. </a:t>
+            </a:r>
+            <a:r>
+              <a:rPr lang="ko-KR" altLang="en-US" sz="2000" dirty="0" smtClean="0"/>
+              <a:t>이 비율을 </a:t>
+            </a:r>
+            <a:r>
+              <a:rPr lang="en-US" altLang="ko-KR" sz="2000" dirty="0" smtClean="0"/>
+              <a:t>Duty Cycle</a:t>
+            </a:r>
+            <a:r>
+              <a:rPr lang="ko-KR" altLang="en-US" sz="2000" dirty="0" smtClean="0"/>
+              <a:t>이라고 한다</a:t>
+            </a:r>
+            <a:r>
+              <a:rPr lang="en-US" altLang="ko-KR" sz="2000" dirty="0" smtClean="0"/>
+              <a:t>.</a:t>
+            </a:r>
+            <a:endParaRPr lang="ko-KR" altLang="en-US" sz="2000" dirty="0"/>
+          </a:p>
+        </p:txBody>
+      </p:sp>
+      <p:pic>
+        <p:nvPicPr>
+          <p:cNvPr id="2050" name="Picture 2"/>
+          <p:cNvPicPr>
+            <a:picLocks noChangeAspect="1" noChangeArrowheads="1"/>
+          </p:cNvPicPr>
+          <p:nvPr/>
+        </p:nvPicPr>
+        <p:blipFill>
+          <a:blip r:embed="rId2">
+            <a:extLst>
+              <a:ext uri="{28A0092B-C50C-407E-A947-70E740481C1C}">
+                <a14:useLocalDpi xmlns:a14="http://schemas.microsoft.com/office/drawing/2010/main" val="0"/>
+              </a:ext>
+            </a:extLst>
+          </a:blip>
+          <a:srcRect/>
+          <a:stretch>
+            <a:fillRect/>
+          </a:stretch>
+        </p:blipFill>
+        <p:spPr bwMode="auto">
+          <a:xfrm>
+            <a:off x="2797575" y="2492896"/>
+            <a:ext cx="3533775" cy="3781425"/>
+          </a:xfrm>
+          <a:prstGeom prst="rect">
+            <a:avLst/>
+          </a:prstGeom>
+          <a:noFill/>
+          <a:ln>
+            <a:noFill/>
+          </a:ln>
+          <a:effectLst/>
+          <a:extLst>
+            <a:ext uri="{909E8E84-426E-40DD-AFC4-6F175D3DCCD1}">
+              <a14:hiddenFill xmlns:a14="http://schemas.microsoft.com/office/drawing/2010/main">
+                <a:solidFill>
+                  <a:schemeClr val="accent1"/>
+                </a:solidFill>
+              </a14:hiddenFill>
+            </a:ext>
+            <a:ext uri="{91240B29-F687-4F45-9708-019B960494DF}">
+              <a14:hiddenLine xmlns:a14="http://schemas.microsoft.com/office/drawing/2010/main" w="9525">
+                <a:solidFill>
+                  <a:schemeClr val="tx1"/>
+                </a:solidFill>
+                <a:miter lim="800000"/>
+                <a:headEnd/>
+                <a:tailEnd/>
+              </a14:hiddenLine>
+            </a:ext>
+            <a:ext uri="{AF507438-7753-43E0-B8FC-AC1667EBCBE1}">
+              <a14:hiddenEffects xmlns:a14="http://schemas.microsoft.com/office/drawing/2010/main">
+                <a:effectLst>
+                  <a:outerShdw dist="35921" dir="2700000" algn="ctr" rotWithShape="0">
+                    <a:schemeClr val="bg2"/>
+                  </a:outerShdw>
+                </a:effectLst>
+              </a14:hiddenEffects>
+            </a:ext>
+          </a:extLst>
+        </p:spPr>
+      </p:pic>
+    </p:spTree>
+    <p:extLst>
+      <p:ext uri="{BB962C8B-B14F-4D97-AF65-F5344CB8AC3E}">
+        <p14:creationId xmlns:p14="http://schemas.microsoft.com/office/powerpoint/2010/main" val="707927161"/>
+      </p:ext>
+    </p:extLst>
+  </p:cSld>
+  <p:clrMapOvr>
+    <a:masterClrMapping/>
+  </p:clrMapOvr>
+</p:sld>
+</file>
+
+<file path=ppt/slides/slide4.xml><?xml version="1.0" encoding="utf-8"?>
+<p:sld xmlns:a="http://schemas.openxmlformats.org/drawingml/2006/main" xmlns:r="http://schemas.openxmlformats.org/officeDocument/2006/relationships" xmlns:p="http://schemas.openxmlformats.org/presentationml/2006/main">
+  <p:cSld>
+    <p:spTree>
+      <p:nvGrpSpPr>
+        <p:cNvPr id="1" name=""/>
+        <p:cNvGrpSpPr/>
+        <p:nvPr/>
+      </p:nvGrpSpPr>
+      <p:grpSpPr>
+        <a:xfrm>
+          <a:off x="0" y="0"/>
+          <a:ext cx="0" cy="0"/>
+          <a:chOff x="0" y="0"/>
+          <a:chExt cx="0" cy="0"/>
+        </a:xfrm>
+      </p:grpSpPr>
+      <p:sp>
+        <p:nvSpPr>
+          <p:cNvPr id="2" name="제목 1"/>
+          <p:cNvSpPr>
+            <a:spLocks noGrp="1"/>
+          </p:cNvSpPr>
+          <p:nvPr>
+            <p:ph type="title"/>
+          </p:nvPr>
+        </p:nvSpPr>
+        <p:spPr/>
+        <p:txBody>
+          <a:bodyPr/>
+          <a:lstStyle/>
+          <a:p>
+            <a:r>
+              <a:rPr lang="ko-KR" altLang="en-US" dirty="0" smtClean="0"/>
+              <a:t>사용 예제</a:t>
+            </a:r>
+            <a:endParaRPr lang="ko-KR" altLang="en-US" dirty="0"/>
+          </a:p>
+        </p:txBody>
+      </p:sp>
+      <p:sp>
+        <p:nvSpPr>
+          <p:cNvPr id="3" name="내용 개체 틀 2"/>
+          <p:cNvSpPr>
+            <a:spLocks noGrp="1"/>
+          </p:cNvSpPr>
+          <p:nvPr>
+            <p:ph idx="1"/>
+          </p:nvPr>
+        </p:nvSpPr>
+        <p:spPr/>
+        <p:txBody>
+          <a:bodyPr/>
+          <a:lstStyle/>
+          <a:p>
+            <a:r>
+              <a:rPr lang="en-US" altLang="ko-KR" dirty="0" smtClean="0"/>
+              <a:t>LED </a:t>
+            </a:r>
+            <a:r>
+              <a:rPr lang="ko-KR" altLang="en-US" dirty="0" smtClean="0"/>
+              <a:t>밝기 제어</a:t>
+            </a:r>
+            <a:endParaRPr lang="en-US" altLang="ko-KR" dirty="0" smtClean="0"/>
+          </a:p>
+          <a:p>
+            <a:r>
+              <a:rPr lang="en-US" altLang="ko-KR" dirty="0" smtClean="0"/>
+              <a:t>Servo </a:t>
+            </a:r>
+            <a:r>
+              <a:rPr lang="ko-KR" altLang="en-US" smtClean="0"/>
+              <a:t>모터 제어</a:t>
+            </a:r>
+            <a:endParaRPr lang="ko-KR" altLang="en-US"/>
+          </a:p>
+        </p:txBody>
+      </p:sp>
+    </p:spTree>
+    <p:extLst>
+      <p:ext uri="{BB962C8B-B14F-4D97-AF65-F5344CB8AC3E}">
+        <p14:creationId xmlns:p14="http://schemas.microsoft.com/office/powerpoint/2010/main" val="1690383289"/>
       </p:ext>
     </p:extLst>
   </p:cSld>
